--- a/Ch17_Media Queries/17. Media Queries.pptx
+++ b/Ch17_Media Queries/17. Media Queries.pptx
@@ -227,7 +227,7 @@
           <a:p>
             <a:fld id="{D2A48B96-639E-45A3-A0BA-2464DFDB1FAA}" type="datetimeFigureOut">
               <a:rPr lang="zh-CN" altLang="en-US" smtClean="0"/>
-              <a:t>2017/5/19</a:t>
+              <a:t>2017/8/16</a:t>
             </a:fld>
             <a:endParaRPr lang="zh-CN" altLang="en-US"/>
           </a:p>
@@ -3036,7 +3036,7 @@
           <a:p>
             <a:fld id="{1ABFA14F-DE9C-4D83-8C58-D4C03BB9FF78}" type="datetimeFigureOut">
               <a:rPr lang="zh-CN" altLang="en-US" smtClean="0"/>
-              <a:t>2017/5/19</a:t>
+              <a:t>2017/8/16</a:t>
             </a:fld>
             <a:endParaRPr lang="zh-CN" altLang="en-US"/>
           </a:p>
@@ -3161,7 +3161,7 @@
           <a:p>
             <a:fld id="{1ABFA14F-DE9C-4D83-8C58-D4C03BB9FF78}" type="datetimeFigureOut">
               <a:rPr lang="zh-CN" altLang="en-US" smtClean="0"/>
-              <a:t>2017/5/19</a:t>
+              <a:t>2017/8/16</a:t>
             </a:fld>
             <a:endParaRPr lang="zh-CN" altLang="en-US"/>
           </a:p>
@@ -3386,7 +3386,7 @@
           <a:p>
             <a:fld id="{1ABFA14F-DE9C-4D83-8C58-D4C03BB9FF78}" type="datetimeFigureOut">
               <a:rPr lang="zh-CN" altLang="en-US" smtClean="0"/>
-              <a:t>2017/5/19</a:t>
+              <a:t>2017/8/16</a:t>
             </a:fld>
             <a:endParaRPr lang="zh-CN" altLang="en-US"/>
           </a:p>
@@ -3611,7 +3611,7 @@
           <a:p>
             <a:fld id="{1ABFA14F-DE9C-4D83-8C58-D4C03BB9FF78}" type="datetimeFigureOut">
               <a:rPr lang="zh-CN" altLang="en-US" smtClean="0"/>
-              <a:t>2017/5/19</a:t>
+              <a:t>2017/8/16</a:t>
             </a:fld>
             <a:endParaRPr lang="zh-CN" altLang="en-US"/>
           </a:p>
@@ -3836,7 +3836,7 @@
           <a:p>
             <a:fld id="{1ABFA14F-DE9C-4D83-8C58-D4C03BB9FF78}" type="datetimeFigureOut">
               <a:rPr lang="zh-CN" altLang="en-US" smtClean="0"/>
-              <a:t>2017/5/19</a:t>
+              <a:t>2017/8/16</a:t>
             </a:fld>
             <a:endParaRPr lang="zh-CN" altLang="en-US"/>
           </a:p>
@@ -4061,7 +4061,7 @@
           <a:p>
             <a:fld id="{1ABFA14F-DE9C-4D83-8C58-D4C03BB9FF78}" type="datetimeFigureOut">
               <a:rPr lang="zh-CN" altLang="en-US" smtClean="0"/>
-              <a:t>2017/5/19</a:t>
+              <a:t>2017/8/16</a:t>
             </a:fld>
             <a:endParaRPr lang="zh-CN" altLang="en-US"/>
           </a:p>
@@ -4286,7 +4286,7 @@
           <a:p>
             <a:fld id="{1ABFA14F-DE9C-4D83-8C58-D4C03BB9FF78}" type="datetimeFigureOut">
               <a:rPr lang="zh-CN" altLang="en-US" smtClean="0"/>
-              <a:t>2017/5/19</a:t>
+              <a:t>2017/8/16</a:t>
             </a:fld>
             <a:endParaRPr lang="zh-CN" altLang="en-US"/>
           </a:p>
@@ -4511,7 +4511,7 @@
           <a:p>
             <a:fld id="{1ABFA14F-DE9C-4D83-8C58-D4C03BB9FF78}" type="datetimeFigureOut">
               <a:rPr lang="zh-CN" altLang="en-US" smtClean="0"/>
-              <a:t>2017/5/19</a:t>
+              <a:t>2017/8/16</a:t>
             </a:fld>
             <a:endParaRPr lang="zh-CN" altLang="en-US"/>
           </a:p>
@@ -4736,7 +4736,7 @@
           <a:p>
             <a:fld id="{1ABFA14F-DE9C-4D83-8C58-D4C03BB9FF78}" type="datetimeFigureOut">
               <a:rPr lang="zh-CN" altLang="en-US" smtClean="0"/>
-              <a:t>2017/5/19</a:t>
+              <a:t>2017/8/16</a:t>
             </a:fld>
             <a:endParaRPr lang="zh-CN" altLang="en-US"/>
           </a:p>
@@ -4961,7 +4961,7 @@
           <a:p>
             <a:fld id="{1ABFA14F-DE9C-4D83-8C58-D4C03BB9FF78}" type="datetimeFigureOut">
               <a:rPr lang="zh-CN" altLang="en-US" smtClean="0"/>
-              <a:t>2017/5/19</a:t>
+              <a:t>2017/8/16</a:t>
             </a:fld>
             <a:endParaRPr lang="zh-CN" altLang="en-US"/>
           </a:p>
@@ -5186,7 +5186,7 @@
           <a:p>
             <a:fld id="{1ABFA14F-DE9C-4D83-8C58-D4C03BB9FF78}" type="datetimeFigureOut">
               <a:rPr lang="zh-CN" altLang="en-US" smtClean="0"/>
-              <a:t>2017/5/19</a:t>
+              <a:t>2017/8/16</a:t>
             </a:fld>
             <a:endParaRPr lang="zh-CN" altLang="en-US"/>
           </a:p>
@@ -5520,7 +5520,7 @@
           <a:p>
             <a:fld id="{1ABFA14F-DE9C-4D83-8C58-D4C03BB9FF78}" type="datetimeFigureOut">
               <a:rPr lang="zh-CN" altLang="en-US" smtClean="0"/>
-              <a:t>2017/5/19</a:t>
+              <a:t>2017/8/16</a:t>
             </a:fld>
             <a:endParaRPr lang="zh-CN" altLang="en-US"/>
           </a:p>
@@ -5671,7 +5671,7 @@
           <a:p>
             <a:fld id="{1ABFA14F-DE9C-4D83-8C58-D4C03BB9FF78}" type="datetimeFigureOut">
               <a:rPr lang="zh-CN" altLang="en-US" smtClean="0"/>
-              <a:t>2017/5/19</a:t>
+              <a:t>2017/8/16</a:t>
             </a:fld>
             <a:endParaRPr lang="zh-CN" altLang="en-US"/>
           </a:p>
@@ -5896,7 +5896,7 @@
           <a:p>
             <a:fld id="{1ABFA14F-DE9C-4D83-8C58-D4C03BB9FF78}" type="datetimeFigureOut">
               <a:rPr lang="zh-CN" altLang="en-US" smtClean="0"/>
-              <a:t>2017/5/19</a:t>
+              <a:t>2017/8/16</a:t>
             </a:fld>
             <a:endParaRPr lang="zh-CN" altLang="en-US"/>
           </a:p>
@@ -6121,7 +6121,7 @@
           <a:p>
             <a:fld id="{1ABFA14F-DE9C-4D83-8C58-D4C03BB9FF78}" type="datetimeFigureOut">
               <a:rPr lang="zh-CN" altLang="en-US" smtClean="0"/>
-              <a:t>2017/5/19</a:t>
+              <a:t>2017/8/16</a:t>
             </a:fld>
             <a:endParaRPr lang="zh-CN" altLang="en-US"/>
           </a:p>
@@ -6346,7 +6346,7 @@
           <a:p>
             <a:fld id="{1ABFA14F-DE9C-4D83-8C58-D4C03BB9FF78}" type="datetimeFigureOut">
               <a:rPr lang="zh-CN" altLang="en-US" smtClean="0"/>
-              <a:t>2017/5/19</a:t>
+              <a:t>2017/8/16</a:t>
             </a:fld>
             <a:endParaRPr lang="zh-CN" altLang="en-US"/>
           </a:p>
@@ -6571,7 +6571,7 @@
           <a:p>
             <a:fld id="{1ABFA14F-DE9C-4D83-8C58-D4C03BB9FF78}" type="datetimeFigureOut">
               <a:rPr lang="zh-CN" altLang="en-US" smtClean="0"/>
-              <a:t>2017/5/19</a:t>
+              <a:t>2017/8/16</a:t>
             </a:fld>
             <a:endParaRPr lang="zh-CN" altLang="en-US"/>
           </a:p>
@@ -6796,7 +6796,7 @@
           <a:p>
             <a:fld id="{1ABFA14F-DE9C-4D83-8C58-D4C03BB9FF78}" type="datetimeFigureOut">
               <a:rPr lang="zh-CN" altLang="en-US" smtClean="0"/>
-              <a:t>2017/5/19</a:t>
+              <a:t>2017/8/16</a:t>
             </a:fld>
             <a:endParaRPr lang="zh-CN" altLang="en-US"/>
           </a:p>
@@ -7021,7 +7021,7 @@
           <a:p>
             <a:fld id="{1ABFA14F-DE9C-4D83-8C58-D4C03BB9FF78}" type="datetimeFigureOut">
               <a:rPr lang="zh-CN" altLang="en-US" smtClean="0"/>
-              <a:t>2017/5/19</a:t>
+              <a:t>2017/8/16</a:t>
             </a:fld>
             <a:endParaRPr lang="zh-CN" altLang="en-US"/>
           </a:p>
@@ -7246,7 +7246,7 @@
           <a:p>
             <a:fld id="{1ABFA14F-DE9C-4D83-8C58-D4C03BB9FF78}" type="datetimeFigureOut">
               <a:rPr lang="zh-CN" altLang="en-US" smtClean="0"/>
-              <a:t>2017/5/19</a:t>
+              <a:t>2017/8/16</a:t>
             </a:fld>
             <a:endParaRPr lang="zh-CN" altLang="en-US"/>
           </a:p>
@@ -7471,7 +7471,7 @@
           <a:p>
             <a:fld id="{1ABFA14F-DE9C-4D83-8C58-D4C03BB9FF78}" type="datetimeFigureOut">
               <a:rPr lang="zh-CN" altLang="en-US" smtClean="0"/>
-              <a:t>2017/5/19</a:t>
+              <a:t>2017/8/16</a:t>
             </a:fld>
             <a:endParaRPr lang="zh-CN" altLang="en-US"/>
           </a:p>
@@ -7696,7 +7696,7 @@
           <a:p>
             <a:fld id="{1ABFA14F-DE9C-4D83-8C58-D4C03BB9FF78}" type="datetimeFigureOut">
               <a:rPr lang="zh-CN" altLang="en-US" smtClean="0"/>
-              <a:t>2017/5/19</a:t>
+              <a:t>2017/8/16</a:t>
             </a:fld>
             <a:endParaRPr lang="zh-CN" altLang="en-US"/>
           </a:p>
@@ -8024,7 +8024,7 @@
           <a:p>
             <a:fld id="{1ABFA14F-DE9C-4D83-8C58-D4C03BB9FF78}" type="datetimeFigureOut">
               <a:rPr lang="zh-CN" altLang="en-US" smtClean="0"/>
-              <a:t>2017/5/19</a:t>
+              <a:t>2017/8/16</a:t>
             </a:fld>
             <a:endParaRPr lang="zh-CN" altLang="en-US"/>
           </a:p>
@@ -8121,7 +8121,7 @@
           <a:p>
             <a:fld id="{1ABFA14F-DE9C-4D83-8C58-D4C03BB9FF78}" type="datetimeFigureOut">
               <a:rPr lang="zh-CN" altLang="en-US" smtClean="0"/>
-              <a:t>2017/5/19</a:t>
+              <a:t>2017/8/16</a:t>
             </a:fld>
             <a:endParaRPr lang="zh-CN" altLang="en-US"/>
           </a:p>
@@ -8346,7 +8346,7 @@
           <a:p>
             <a:fld id="{1ABFA14F-DE9C-4D83-8C58-D4C03BB9FF78}" type="datetimeFigureOut">
               <a:rPr lang="zh-CN" altLang="en-US" smtClean="0"/>
-              <a:t>2017/5/19</a:t>
+              <a:t>2017/8/16</a:t>
             </a:fld>
             <a:endParaRPr lang="zh-CN" altLang="en-US"/>
           </a:p>
@@ -8571,7 +8571,7 @@
           <a:p>
             <a:fld id="{1ABFA14F-DE9C-4D83-8C58-D4C03BB9FF78}" type="datetimeFigureOut">
               <a:rPr lang="zh-CN" altLang="en-US" smtClean="0"/>
-              <a:t>2017/5/19</a:t>
+              <a:t>2017/8/16</a:t>
             </a:fld>
             <a:endParaRPr lang="zh-CN" altLang="en-US"/>
           </a:p>
@@ -8796,7 +8796,7 @@
           <a:p>
             <a:fld id="{1ABFA14F-DE9C-4D83-8C58-D4C03BB9FF78}" type="datetimeFigureOut">
               <a:rPr lang="zh-CN" altLang="en-US" smtClean="0"/>
-              <a:t>2017/5/19</a:t>
+              <a:t>2017/8/16</a:t>
             </a:fld>
             <a:endParaRPr lang="zh-CN" altLang="en-US"/>
           </a:p>
@@ -9021,7 +9021,7 @@
           <a:p>
             <a:fld id="{1ABFA14F-DE9C-4D83-8C58-D4C03BB9FF78}" type="datetimeFigureOut">
               <a:rPr lang="zh-CN" altLang="en-US" smtClean="0"/>
-              <a:t>2017/5/19</a:t>
+              <a:t>2017/8/16</a:t>
             </a:fld>
             <a:endParaRPr lang="zh-CN" altLang="en-US"/>
           </a:p>
@@ -9246,7 +9246,7 @@
           <a:p>
             <a:fld id="{1ABFA14F-DE9C-4D83-8C58-D4C03BB9FF78}" type="datetimeFigureOut">
               <a:rPr lang="zh-CN" altLang="en-US" smtClean="0"/>
-              <a:t>2017/5/19</a:t>
+              <a:t>2017/8/16</a:t>
             </a:fld>
             <a:endParaRPr lang="zh-CN" altLang="en-US"/>
           </a:p>
@@ -9471,7 +9471,7 @@
           <a:p>
             <a:fld id="{1ABFA14F-DE9C-4D83-8C58-D4C03BB9FF78}" type="datetimeFigureOut">
               <a:rPr lang="zh-CN" altLang="en-US" smtClean="0"/>
-              <a:t>2017/5/19</a:t>
+              <a:t>2017/8/16</a:t>
             </a:fld>
             <a:endParaRPr lang="zh-CN" altLang="en-US"/>
           </a:p>
@@ -9696,7 +9696,7 @@
           <a:p>
             <a:fld id="{1ABFA14F-DE9C-4D83-8C58-D4C03BB9FF78}" type="datetimeFigureOut">
               <a:rPr lang="zh-CN" altLang="en-US" smtClean="0"/>
-              <a:t>2017/5/19</a:t>
+              <a:t>2017/8/16</a:t>
             </a:fld>
             <a:endParaRPr lang="zh-CN" altLang="en-US"/>
           </a:p>
@@ -10167,7 +10167,7 @@
           <a:p>
             <a:fld id="{1ABFA14F-DE9C-4D83-8C58-D4C03BB9FF78}" type="datetimeFigureOut">
               <a:rPr lang="zh-CN" altLang="en-US" smtClean="0"/>
-              <a:t>2017/5/19</a:t>
+              <a:t>2017/8/16</a:t>
             </a:fld>
             <a:endParaRPr lang="zh-CN" altLang="en-US"/>
           </a:p>
@@ -10672,7 +10672,7 @@
           <a:p>
             <a:fld id="{1ABFA14F-DE9C-4D83-8C58-D4C03BB9FF78}" type="datetimeFigureOut">
               <a:rPr lang="zh-CN" altLang="en-US" smtClean="0"/>
-              <a:t>2017/5/19</a:t>
+              <a:t>2017/8/16</a:t>
             </a:fld>
             <a:endParaRPr lang="zh-CN" altLang="en-US"/>
           </a:p>
@@ -10972,7 +10972,7 @@
           <a:p>
             <a:fld id="{1ABFA14F-DE9C-4D83-8C58-D4C03BB9FF78}" type="datetimeFigureOut">
               <a:rPr lang="zh-CN" altLang="en-US" smtClean="0"/>
-              <a:t>2017/5/19</a:t>
+              <a:t>2017/8/16</a:t>
             </a:fld>
             <a:endParaRPr lang="zh-CN" altLang="en-US"/>
           </a:p>
@@ -11097,7 +11097,7 @@
           <a:p>
             <a:fld id="{1ABFA14F-DE9C-4D83-8C58-D4C03BB9FF78}" type="datetimeFigureOut">
               <a:rPr lang="zh-CN" altLang="en-US" smtClean="0"/>
-              <a:t>2017/5/19</a:t>
+              <a:t>2017/8/16</a:t>
             </a:fld>
             <a:endParaRPr lang="zh-CN" altLang="en-US"/>
           </a:p>
@@ -11364,7 +11364,7 @@
           <a:p>
             <a:fld id="{1ABFA14F-DE9C-4D83-8C58-D4C03BB9FF78}" type="datetimeFigureOut">
               <a:rPr lang="zh-CN" altLang="en-US" smtClean="0"/>
-              <a:t>2017/5/19</a:t>
+              <a:t>2017/8/16</a:t>
             </a:fld>
             <a:endParaRPr lang="zh-CN" altLang="en-US"/>
           </a:p>
@@ -11569,7 +11569,7 @@
           <a:p>
             <a:fld id="{1ABFA14F-DE9C-4D83-8C58-D4C03BB9FF78}" type="datetimeFigureOut">
               <a:rPr lang="zh-CN" altLang="en-US" smtClean="0"/>
-              <a:t>2017/5/19</a:t>
+              <a:t>2017/8/16</a:t>
             </a:fld>
             <a:endParaRPr lang="zh-CN" altLang="en-US"/>
           </a:p>
@@ -11880,7 +11880,7 @@
           <a:p>
             <a:fld id="{1ABFA14F-DE9C-4D83-8C58-D4C03BB9FF78}" type="datetimeFigureOut">
               <a:rPr lang="zh-CN" altLang="en-US" smtClean="0"/>
-              <a:t>2017/5/19</a:t>
+              <a:t>2017/8/16</a:t>
             </a:fld>
             <a:endParaRPr lang="zh-CN" altLang="en-US"/>
           </a:p>
@@ -15957,44 +15957,6 @@
       </p:sp>
       <p:sp>
         <p:nvSpPr>
-          <p:cNvPr id="8" name="文本框 7"/>
-          <p:cNvSpPr txBox="1"/>
-          <p:nvPr/>
-        </p:nvSpPr>
-        <p:spPr>
-          <a:xfrm>
-            <a:off x="7796677" y="1345474"/>
-            <a:ext cx="3618411" cy="461665"/>
-          </a:xfrm>
-          <a:prstGeom prst="rect">
-            <a:avLst/>
-          </a:prstGeom>
-          <a:noFill/>
-        </p:spPr>
-        <p:txBody>
-          <a:bodyPr wrap="square" rtlCol="0">
-            <a:spAutoFit/>
-          </a:bodyPr>
-          <a:lstStyle/>
-          <a:p>
-            <a:r>
-              <a:rPr lang="en-US" altLang="zh-CN" sz="2400" dirty="0" smtClean="0">
-                <a:solidFill>
-                  <a:srgbClr val="000000"/>
-                </a:solidFill>
-              </a:rPr>
-              <a:t>demo20-1.html</a:t>
-            </a:r>
-            <a:endParaRPr lang="zh-CN" altLang="en-US" sz="2400" dirty="0">
-              <a:solidFill>
-                <a:srgbClr val="000000"/>
-              </a:solidFill>
-            </a:endParaRPr>
-          </a:p>
-        </p:txBody>
-      </p:sp>
-      <p:sp>
-        <p:nvSpPr>
           <p:cNvPr id="5" name="文本框 4"/>
           <p:cNvSpPr txBox="1"/>
           <p:nvPr/>
@@ -16333,44 +16295,6 @@
           </a:prstGeom>
         </p:spPr>
       </p:pic>
-      <p:sp>
-        <p:nvSpPr>
-          <p:cNvPr id="9" name="文本框 8"/>
-          <p:cNvSpPr txBox="1"/>
-          <p:nvPr/>
-        </p:nvSpPr>
-        <p:spPr>
-          <a:xfrm>
-            <a:off x="603150" y="5810199"/>
-            <a:ext cx="3618411" cy="461665"/>
-          </a:xfrm>
-          <a:prstGeom prst="rect">
-            <a:avLst/>
-          </a:prstGeom>
-          <a:noFill/>
-        </p:spPr>
-        <p:txBody>
-          <a:bodyPr wrap="square" rtlCol="0">
-            <a:spAutoFit/>
-          </a:bodyPr>
-          <a:lstStyle/>
-          <a:p>
-            <a:r>
-              <a:rPr lang="en-US" altLang="zh-CN" sz="2400" dirty="0" smtClean="0">
-                <a:solidFill>
-                  <a:srgbClr val="000000"/>
-                </a:solidFill>
-              </a:rPr>
-              <a:t>homework10.html</a:t>
-            </a:r>
-            <a:endParaRPr lang="zh-CN" altLang="en-US" sz="2400" dirty="0">
-              <a:solidFill>
-                <a:srgbClr val="000000"/>
-              </a:solidFill>
-            </a:endParaRPr>
-          </a:p>
-        </p:txBody>
-      </p:sp>
       <p:pic>
         <p:nvPicPr>
           <p:cNvPr id="7" name="图片 6"/>
